--- a/Finding the Right community.pptx
+++ b/Finding the Right community.pptx
@@ -112,6 +112,11 @@
       </a:defRPr>
     </a:lvl9pPr>
   </p:defaultTextStyle>
+  <p:extLst>
+    <p:ext uri="{EFAFB233-063F-42B5-8137-9DF3F51BA10A}">
+      <p15:sldGuideLst xmlns:p15="http://schemas.microsoft.com/office/powerpoint/2012/main"/>
+    </p:ext>
+  </p:extLst>
 </p:presentation>
 </file>
 
@@ -837,7 +842,7 @@
           <a:p>
             <a:fld id="{AB7AFC0A-B337-4551-B7CF-FB1DFD66EBD8}" type="datetimeFigureOut">
               <a:rPr lang="en-US" smtClean="0"/>
-              <a:t>9/10/2019</a:t>
+              <a:t>9/11/2019</a:t>
             </a:fld>
             <a:endParaRPr lang="en-US"/>
           </a:p>
@@ -1088,7 +1093,7 @@
           <a:p>
             <a:fld id="{AB7AFC0A-B337-4551-B7CF-FB1DFD66EBD8}" type="datetimeFigureOut">
               <a:rPr lang="en-US" smtClean="0"/>
-              <a:t>9/10/2019</a:t>
+              <a:t>9/11/2019</a:t>
             </a:fld>
             <a:endParaRPr lang="en-US"/>
           </a:p>
@@ -1402,7 +1407,7 @@
           <a:p>
             <a:fld id="{AB7AFC0A-B337-4551-B7CF-FB1DFD66EBD8}" type="datetimeFigureOut">
               <a:rPr lang="en-US" smtClean="0"/>
-              <a:t>9/10/2019</a:t>
+              <a:t>9/11/2019</a:t>
             </a:fld>
             <a:endParaRPr lang="en-US"/>
           </a:p>
@@ -1743,7 +1748,7 @@
           <a:p>
             <a:fld id="{AB7AFC0A-B337-4551-B7CF-FB1DFD66EBD8}" type="datetimeFigureOut">
               <a:rPr lang="en-US" smtClean="0"/>
-              <a:t>9/10/2019</a:t>
+              <a:t>9/11/2019</a:t>
             </a:fld>
             <a:endParaRPr lang="en-US"/>
           </a:p>
@@ -2057,7 +2062,7 @@
           <a:p>
             <a:fld id="{AB7AFC0A-B337-4551-B7CF-FB1DFD66EBD8}" type="datetimeFigureOut">
               <a:rPr lang="en-US" smtClean="0"/>
-              <a:t>9/10/2019</a:t>
+              <a:t>9/11/2019</a:t>
             </a:fld>
             <a:endParaRPr lang="en-US"/>
           </a:p>
@@ -2450,7 +2455,7 @@
           <a:p>
             <a:fld id="{AB7AFC0A-B337-4551-B7CF-FB1DFD66EBD8}" type="datetimeFigureOut">
               <a:rPr lang="en-US" smtClean="0"/>
-              <a:t>9/10/2019</a:t>
+              <a:t>9/11/2019</a:t>
             </a:fld>
             <a:endParaRPr lang="en-US"/>
           </a:p>
@@ -2620,7 +2625,7 @@
           <a:p>
             <a:fld id="{AB7AFC0A-B337-4551-B7CF-FB1DFD66EBD8}" type="datetimeFigureOut">
               <a:rPr lang="en-US" smtClean="0"/>
-              <a:t>9/10/2019</a:t>
+              <a:t>9/11/2019</a:t>
             </a:fld>
             <a:endParaRPr lang="en-US"/>
           </a:p>
@@ -2800,7 +2805,7 @@
           <a:p>
             <a:fld id="{AB7AFC0A-B337-4551-B7CF-FB1DFD66EBD8}" type="datetimeFigureOut">
               <a:rPr lang="en-US" smtClean="0"/>
-              <a:t>9/10/2019</a:t>
+              <a:t>9/11/2019</a:t>
             </a:fld>
             <a:endParaRPr lang="en-US"/>
           </a:p>
@@ -2976,7 +2981,7 @@
           <a:p>
             <a:fld id="{AB7AFC0A-B337-4551-B7CF-FB1DFD66EBD8}" type="datetimeFigureOut">
               <a:rPr lang="en-US" smtClean="0"/>
-              <a:t>9/10/2019</a:t>
+              <a:t>9/11/2019</a:t>
             </a:fld>
             <a:endParaRPr lang="en-US"/>
           </a:p>
@@ -3223,7 +3228,7 @@
           <a:p>
             <a:fld id="{AB7AFC0A-B337-4551-B7CF-FB1DFD66EBD8}" type="datetimeFigureOut">
               <a:rPr lang="en-US" smtClean="0"/>
-              <a:t>9/10/2019</a:t>
+              <a:t>9/11/2019</a:t>
             </a:fld>
             <a:endParaRPr lang="en-US"/>
           </a:p>
@@ -3455,7 +3460,7 @@
           <a:p>
             <a:fld id="{AB7AFC0A-B337-4551-B7CF-FB1DFD66EBD8}" type="datetimeFigureOut">
               <a:rPr lang="en-US" smtClean="0"/>
-              <a:t>9/10/2019</a:t>
+              <a:t>9/11/2019</a:t>
             </a:fld>
             <a:endParaRPr lang="en-US"/>
           </a:p>
@@ -3829,7 +3834,7 @@
           <a:p>
             <a:fld id="{AB7AFC0A-B337-4551-B7CF-FB1DFD66EBD8}" type="datetimeFigureOut">
               <a:rPr lang="en-US" smtClean="0"/>
-              <a:t>9/10/2019</a:t>
+              <a:t>9/11/2019</a:t>
             </a:fld>
             <a:endParaRPr lang="en-US"/>
           </a:p>
@@ -3952,7 +3957,7 @@
           <a:p>
             <a:fld id="{AB7AFC0A-B337-4551-B7CF-FB1DFD66EBD8}" type="datetimeFigureOut">
               <a:rPr lang="en-US" smtClean="0"/>
-              <a:t>9/10/2019</a:t>
+              <a:t>9/11/2019</a:t>
             </a:fld>
             <a:endParaRPr lang="en-US"/>
           </a:p>
@@ -4047,7 +4052,7 @@
           <a:p>
             <a:fld id="{AB7AFC0A-B337-4551-B7CF-FB1DFD66EBD8}" type="datetimeFigureOut">
               <a:rPr lang="en-US" smtClean="0"/>
-              <a:t>9/10/2019</a:t>
+              <a:t>9/11/2019</a:t>
             </a:fld>
             <a:endParaRPr lang="en-US"/>
           </a:p>
@@ -4302,7 +4307,7 @@
           <a:p>
             <a:fld id="{AB7AFC0A-B337-4551-B7CF-FB1DFD66EBD8}" type="datetimeFigureOut">
               <a:rPr lang="en-US" smtClean="0"/>
-              <a:t>9/10/2019</a:t>
+              <a:t>9/11/2019</a:t>
             </a:fld>
             <a:endParaRPr lang="en-US"/>
           </a:p>
@@ -4565,7 +4570,7 @@
           <a:p>
             <a:fld id="{AB7AFC0A-B337-4551-B7CF-FB1DFD66EBD8}" type="datetimeFigureOut">
               <a:rPr lang="en-US" smtClean="0"/>
-              <a:t>9/10/2019</a:t>
+              <a:t>9/11/2019</a:t>
             </a:fld>
             <a:endParaRPr lang="en-US"/>
           </a:p>
@@ -5308,7 +5313,7 @@
           <a:p>
             <a:fld id="{AB7AFC0A-B337-4551-B7CF-FB1DFD66EBD8}" type="datetimeFigureOut">
               <a:rPr lang="en-US" smtClean="0"/>
-              <a:t>9/10/2019</a:t>
+              <a:t>9/11/2019</a:t>
             </a:fld>
             <a:endParaRPr lang="en-US"/>
           </a:p>
@@ -6740,7 +6745,7 @@
             </a:pPr>
             <a:r>
               <a:rPr lang="en-US" dirty="0" smtClean="0"/>
-              <a:t>Rank of community by Hispanic and Latino Population %</a:t>
+              <a:t>% of Hispanic and Latino population</a:t>
             </a:r>
           </a:p>
           <a:p>
@@ -6750,18 +6755,13 @@
             </a:pPr>
             <a:r>
               <a:rPr lang="en-US" dirty="0" smtClean="0"/>
-              <a:t>Rank of community by Income</a:t>
-            </a:r>
-          </a:p>
-          <a:p>
-            <a:pPr indent="-285750">
-              <a:buFont typeface="Wingdings" panose="05000000000000000000" pitchFamily="2" charset="2"/>
-              <a:buChar char="Ø"/>
-            </a:pPr>
-            <a:r>
-              <a:rPr lang="en-US" dirty="0" smtClean="0"/>
-              <a:t>Rank of community by Age group</a:t>
-            </a:r>
+              <a:t>Cluster number later on after the </a:t>
+            </a:r>
+            <a:r>
+              <a:rPr lang="en-US" smtClean="0"/>
+              <a:t>model creation</a:t>
+            </a:r>
+            <a:endParaRPr lang="en-US" dirty="0" smtClean="0"/>
           </a:p>
           <a:p>
             <a:pPr marL="57150" indent="0">
@@ -7201,14 +7201,6 @@
               </a:rPr>
               <a:t>The mean of income rank and Hispanic &amp; Latino population % rank gives us an idea of the cluster that best fits the need</a:t>
             </a:r>
-            <a:endParaRPr lang="en-US" dirty="0">
-              <a:solidFill>
-                <a:schemeClr val="tx1">
-                  <a:lumMod val="75000"/>
-                  <a:lumOff val="25000"/>
-                </a:schemeClr>
-              </a:solidFill>
-            </a:endParaRPr>
           </a:p>
         </p:txBody>
       </p:sp>
